--- a/docs/v4.0.4/ICTU-Kwaliteitsaanpak.pptx
+++ b/docs/v4.0.4/ICTU-Kwaliteitsaanpak.pptx
@@ -21265,7 +21265,7 @@
               <a:buNone/>
             </a:pPr>
             <a:r>
-              <a:t>Versie v4.0.4, 16-12-2024</a:t>
+              <a:t>Versie v4.0.4, 20-12-2024</a:t>
             </a:r>
           </a:p>
         </p:txBody>
